--- a/esittely.pptx
+++ b/esittely.pptx
@@ -104,7 +104,297 @@
       </a:defRPr>
     </a:lvl9pPr>
   </p:defaultTextStyle>
+  <p:extLst>
+    <p:ext uri="{EFAFB233-063F-42B5-8137-9DF3F51BA10A}">
+      <p15:sldGuideLst xmlns:p15="http://schemas.microsoft.com/office/powerpoint/2012/main"/>
+    </p:ext>
+  </p:extLst>
 </p:presentation>
+</file>
+
+<file path=ppt/revisionInfo.xml><?xml version="1.0" encoding="utf-8"?>
+<p1510:revInfo xmlns:a="http://schemas.openxmlformats.org/drawingml/2006/main" xmlns:r="http://schemas.openxmlformats.org/officeDocument/2006/relationships" xmlns:p1510="http://schemas.microsoft.com/office/powerpoint/2015/10/main">
+  <p1510:revLst>
+    <p1510:client id="{2E7DB800-7216-4EDC-9C4A-C5A64195C4A3}" v="24" dt="2023-09-19T14:41:36.232"/>
+  </p1510:revLst>
+</p1510:revInfo>
+</file>
+
+<file path=ppt/changesInfos/changesInfo1.xml><?xml version="1.0" encoding="utf-8"?>
+<pc:chgInfo xmlns:a="http://schemas.openxmlformats.org/drawingml/2006/main" xmlns:r="http://schemas.openxmlformats.org/officeDocument/2006/relationships" xmlns:ac="http://schemas.microsoft.com/office/drawing/2013/main/command" xmlns:pc="http://schemas.microsoft.com/office/powerpoint/2013/main/command">
+  <pc:docChgLst>
+    <pc:chgData name="Aleksi Lummila" userId="5c3b81ba-1834-4770-942d-dc7ef06c91c8" providerId="ADAL" clId="{2E7DB800-7216-4EDC-9C4A-C5A64195C4A3}"/>
+    <pc:docChg chg="undo custSel modSld">
+      <pc:chgData name="Aleksi Lummila" userId="5c3b81ba-1834-4770-942d-dc7ef06c91c8" providerId="ADAL" clId="{2E7DB800-7216-4EDC-9C4A-C5A64195C4A3}" dt="2023-09-19T14:44:12.450" v="1367" actId="20577"/>
+      <pc:docMkLst>
+        <pc:docMk/>
+      </pc:docMkLst>
+      <pc:sldChg chg="addSp delSp modSp mod">
+        <pc:chgData name="Aleksi Lummila" userId="5c3b81ba-1834-4770-942d-dc7ef06c91c8" providerId="ADAL" clId="{2E7DB800-7216-4EDC-9C4A-C5A64195C4A3}" dt="2023-09-19T14:44:12.450" v="1367" actId="20577"/>
+        <pc:sldMkLst>
+          <pc:docMk/>
+          <pc:sldMk cId="681471845" sldId="256"/>
+        </pc:sldMkLst>
+        <pc:spChg chg="add mod">
+          <ac:chgData name="Aleksi Lummila" userId="5c3b81ba-1834-4770-942d-dc7ef06c91c8" providerId="ADAL" clId="{2E7DB800-7216-4EDC-9C4A-C5A64195C4A3}" dt="2023-09-19T14:28:36.826" v="64" actId="20577"/>
+          <ac:spMkLst>
+            <pc:docMk/>
+            <pc:sldMk cId="681471845" sldId="256"/>
+            <ac:spMk id="2" creationId="{3CF07CCE-29BC-5E02-C317-FEBE399F3D02}"/>
+          </ac:spMkLst>
+        </pc:spChg>
+        <pc:spChg chg="add del mod">
+          <ac:chgData name="Aleksi Lummila" userId="5c3b81ba-1834-4770-942d-dc7ef06c91c8" providerId="ADAL" clId="{2E7DB800-7216-4EDC-9C4A-C5A64195C4A3}" dt="2023-09-19T14:28:42.113" v="71" actId="478"/>
+          <ac:spMkLst>
+            <pc:docMk/>
+            <pc:sldMk cId="681471845" sldId="256"/>
+            <ac:spMk id="3" creationId="{13D834C1-1D65-E7E7-FFC4-6AE4E35C8814}"/>
+          </ac:spMkLst>
+        </pc:spChg>
+        <pc:spChg chg="mod">
+          <ac:chgData name="Aleksi Lummila" userId="5c3b81ba-1834-4770-942d-dc7ef06c91c8" providerId="ADAL" clId="{2E7DB800-7216-4EDC-9C4A-C5A64195C4A3}" dt="2023-09-19T14:34:11.122" v="551" actId="2085"/>
+          <ac:spMkLst>
+            <pc:docMk/>
+            <pc:sldMk cId="681471845" sldId="256"/>
+            <ac:spMk id="4" creationId="{1AF91F59-DA7E-4CE8-CC16-00A2B732DDE0}"/>
+          </ac:spMkLst>
+        </pc:spChg>
+        <pc:spChg chg="add del mod">
+          <ac:chgData name="Aleksi Lummila" userId="5c3b81ba-1834-4770-942d-dc7ef06c91c8" providerId="ADAL" clId="{2E7DB800-7216-4EDC-9C4A-C5A64195C4A3}" dt="2023-09-19T14:28:42.666" v="72" actId="478"/>
+          <ac:spMkLst>
+            <pc:docMk/>
+            <pc:sldMk cId="681471845" sldId="256"/>
+            <ac:spMk id="6" creationId="{B135D5AA-0F7F-1055-BB52-4A00C69F3F90}"/>
+          </ac:spMkLst>
+        </pc:spChg>
+        <pc:spChg chg="add mod">
+          <ac:chgData name="Aleksi Lummila" userId="5c3b81ba-1834-4770-942d-dc7ef06c91c8" providerId="ADAL" clId="{2E7DB800-7216-4EDC-9C4A-C5A64195C4A3}" dt="2023-09-19T14:29:03.913" v="78" actId="20577"/>
+          <ac:spMkLst>
+            <pc:docMk/>
+            <pc:sldMk cId="681471845" sldId="256"/>
+            <ac:spMk id="37" creationId="{60181540-81F4-4AB7-7AA7-4CEE3CF3DF2D}"/>
+          </ac:spMkLst>
+        </pc:spChg>
+        <pc:spChg chg="add mod">
+          <ac:chgData name="Aleksi Lummila" userId="5c3b81ba-1834-4770-942d-dc7ef06c91c8" providerId="ADAL" clId="{2E7DB800-7216-4EDC-9C4A-C5A64195C4A3}" dt="2023-09-19T14:29:06.761" v="80" actId="20577"/>
+          <ac:spMkLst>
+            <pc:docMk/>
+            <pc:sldMk cId="681471845" sldId="256"/>
+            <ac:spMk id="38" creationId="{FFA4B4EB-B7C1-1A4A-0164-B76AA0F7F4EF}"/>
+          </ac:spMkLst>
+        </pc:spChg>
+        <pc:spChg chg="add mod">
+          <ac:chgData name="Aleksi Lummila" userId="5c3b81ba-1834-4770-942d-dc7ef06c91c8" providerId="ADAL" clId="{2E7DB800-7216-4EDC-9C4A-C5A64195C4A3}" dt="2023-09-19T14:40:45.569" v="849" actId="20577"/>
+          <ac:spMkLst>
+            <pc:docMk/>
+            <pc:sldMk cId="681471845" sldId="256"/>
+            <ac:spMk id="43" creationId="{5433F008-74A6-3ACA-A777-A3BDBB5B5867}"/>
+          </ac:spMkLst>
+        </pc:spChg>
+        <pc:spChg chg="add mod">
+          <ac:chgData name="Aleksi Lummila" userId="5c3b81ba-1834-4770-942d-dc7ef06c91c8" providerId="ADAL" clId="{2E7DB800-7216-4EDC-9C4A-C5A64195C4A3}" dt="2023-09-19T14:33:44.357" v="548" actId="1076"/>
+          <ac:spMkLst>
+            <pc:docMk/>
+            <pc:sldMk cId="681471845" sldId="256"/>
+            <ac:spMk id="44" creationId="{AB202AD9-B3FF-1C51-5C95-7F4D87081491}"/>
+          </ac:spMkLst>
+        </pc:spChg>
+        <pc:spChg chg="add mod">
+          <ac:chgData name="Aleksi Lummila" userId="5c3b81ba-1834-4770-942d-dc7ef06c91c8" providerId="ADAL" clId="{2E7DB800-7216-4EDC-9C4A-C5A64195C4A3}" dt="2023-09-19T14:33:44.357" v="548" actId="1076"/>
+          <ac:spMkLst>
+            <pc:docMk/>
+            <pc:sldMk cId="681471845" sldId="256"/>
+            <ac:spMk id="45" creationId="{AEA346A1-B74B-D70E-C738-748F699A61D4}"/>
+          </ac:spMkLst>
+        </pc:spChg>
+        <pc:spChg chg="add mod">
+          <ac:chgData name="Aleksi Lummila" userId="5c3b81ba-1834-4770-942d-dc7ef06c91c8" providerId="ADAL" clId="{2E7DB800-7216-4EDC-9C4A-C5A64195C4A3}" dt="2023-09-19T14:33:44.357" v="548" actId="1076"/>
+          <ac:spMkLst>
+            <pc:docMk/>
+            <pc:sldMk cId="681471845" sldId="256"/>
+            <ac:spMk id="46" creationId="{849053F4-1608-2D4B-34BB-CDD444909373}"/>
+          </ac:spMkLst>
+        </pc:spChg>
+        <pc:spChg chg="add mod">
+          <ac:chgData name="Aleksi Lummila" userId="5c3b81ba-1834-4770-942d-dc7ef06c91c8" providerId="ADAL" clId="{2E7DB800-7216-4EDC-9C4A-C5A64195C4A3}" dt="2023-09-19T14:41:18.536" v="922" actId="1076"/>
+          <ac:spMkLst>
+            <pc:docMk/>
+            <pc:sldMk cId="681471845" sldId="256"/>
+            <ac:spMk id="65" creationId="{207D35D1-076C-8847-7C6C-38B184026135}"/>
+          </ac:spMkLst>
+        </pc:spChg>
+        <pc:spChg chg="add mod">
+          <ac:chgData name="Aleksi Lummila" userId="5c3b81ba-1834-4770-942d-dc7ef06c91c8" providerId="ADAL" clId="{2E7DB800-7216-4EDC-9C4A-C5A64195C4A3}" dt="2023-09-19T14:38:03.794" v="780" actId="20577"/>
+          <ac:spMkLst>
+            <pc:docMk/>
+            <pc:sldMk cId="681471845" sldId="256"/>
+            <ac:spMk id="71" creationId="{301FA796-A5DC-1D9B-49E5-D263D668A394}"/>
+          </ac:spMkLst>
+        </pc:spChg>
+        <pc:spChg chg="add mod">
+          <ac:chgData name="Aleksi Lummila" userId="5c3b81ba-1834-4770-942d-dc7ef06c91c8" providerId="ADAL" clId="{2E7DB800-7216-4EDC-9C4A-C5A64195C4A3}" dt="2023-09-19T14:40:10.450" v="824" actId="20577"/>
+          <ac:spMkLst>
+            <pc:docMk/>
+            <pc:sldMk cId="681471845" sldId="256"/>
+            <ac:spMk id="72" creationId="{7CCA99F5-5DED-66F6-CCE3-2D91DFCCE98A}"/>
+          </ac:spMkLst>
+        </pc:spChg>
+        <pc:spChg chg="add mod">
+          <ac:chgData name="Aleksi Lummila" userId="5c3b81ba-1834-4770-942d-dc7ef06c91c8" providerId="ADAL" clId="{2E7DB800-7216-4EDC-9C4A-C5A64195C4A3}" dt="2023-09-19T14:38:09.994" v="784" actId="20577"/>
+          <ac:spMkLst>
+            <pc:docMk/>
+            <pc:sldMk cId="681471845" sldId="256"/>
+            <ac:spMk id="73" creationId="{DA4257C7-B6E8-1702-A225-856B5E7E3E7F}"/>
+          </ac:spMkLst>
+        </pc:spChg>
+        <pc:spChg chg="add mod">
+          <ac:chgData name="Aleksi Lummila" userId="5c3b81ba-1834-4770-942d-dc7ef06c91c8" providerId="ADAL" clId="{2E7DB800-7216-4EDC-9C4A-C5A64195C4A3}" dt="2023-09-19T14:41:26.969" v="923" actId="1076"/>
+          <ac:spMkLst>
+            <pc:docMk/>
+            <pc:sldMk cId="681471845" sldId="256"/>
+            <ac:spMk id="99" creationId="{EBB6F3E9-2ECD-7355-0C75-9D01ED367C2C}"/>
+          </ac:spMkLst>
+        </pc:spChg>
+        <pc:spChg chg="add mod">
+          <ac:chgData name="Aleksi Lummila" userId="5c3b81ba-1834-4770-942d-dc7ef06c91c8" providerId="ADAL" clId="{2E7DB800-7216-4EDC-9C4A-C5A64195C4A3}" dt="2023-09-19T14:44:12.450" v="1367" actId="20577"/>
+          <ac:spMkLst>
+            <pc:docMk/>
+            <pc:sldMk cId="681471845" sldId="256"/>
+            <ac:spMk id="100" creationId="{2B204712-5FAA-3687-C91B-39C1DF50674B}"/>
+          </ac:spMkLst>
+        </pc:spChg>
+        <pc:cxnChg chg="add del mod">
+          <ac:chgData name="Aleksi Lummila" userId="5c3b81ba-1834-4770-942d-dc7ef06c91c8" providerId="ADAL" clId="{2E7DB800-7216-4EDC-9C4A-C5A64195C4A3}" dt="2023-09-19T14:26:54.498" v="18" actId="478"/>
+          <ac:cxnSpMkLst>
+            <pc:docMk/>
+            <pc:sldMk cId="681471845" sldId="256"/>
+            <ac:cxnSpMk id="14" creationId="{FCF9C4E9-0521-26AE-77A0-B603C3CAE170}"/>
+          </ac:cxnSpMkLst>
+        </pc:cxnChg>
+        <pc:cxnChg chg="add del mod">
+          <ac:chgData name="Aleksi Lummila" userId="5c3b81ba-1834-4770-942d-dc7ef06c91c8" providerId="ADAL" clId="{2E7DB800-7216-4EDC-9C4A-C5A64195C4A3}" dt="2023-09-19T14:27:04.618" v="21" actId="478"/>
+          <ac:cxnSpMkLst>
+            <pc:docMk/>
+            <pc:sldMk cId="681471845" sldId="256"/>
+            <ac:cxnSpMk id="18" creationId="{FBAEB2CB-50A2-F442-65BF-4842FFA41C78}"/>
+          </ac:cxnSpMkLst>
+        </pc:cxnChg>
+        <pc:cxnChg chg="add del mod">
+          <ac:chgData name="Aleksi Lummila" userId="5c3b81ba-1834-4770-942d-dc7ef06c91c8" providerId="ADAL" clId="{2E7DB800-7216-4EDC-9C4A-C5A64195C4A3}" dt="2023-09-19T14:27:04.121" v="20" actId="478"/>
+          <ac:cxnSpMkLst>
+            <pc:docMk/>
+            <pc:sldMk cId="681471845" sldId="256"/>
+            <ac:cxnSpMk id="25" creationId="{76CE1DCC-6EFC-AE7D-91DC-5A1CACD4C106}"/>
+          </ac:cxnSpMkLst>
+        </pc:cxnChg>
+        <pc:cxnChg chg="add mod">
+          <ac:chgData name="Aleksi Lummila" userId="5c3b81ba-1834-4770-942d-dc7ef06c91c8" providerId="ADAL" clId="{2E7DB800-7216-4EDC-9C4A-C5A64195C4A3}" dt="2023-09-19T14:27:38.503" v="28" actId="208"/>
+          <ac:cxnSpMkLst>
+            <pc:docMk/>
+            <pc:sldMk cId="681471845" sldId="256"/>
+            <ac:cxnSpMk id="27" creationId="{E4F36E2B-479D-A201-3B8B-2791BC41155F}"/>
+          </ac:cxnSpMkLst>
+        </pc:cxnChg>
+        <pc:cxnChg chg="add mod">
+          <ac:chgData name="Aleksi Lummila" userId="5c3b81ba-1834-4770-942d-dc7ef06c91c8" providerId="ADAL" clId="{2E7DB800-7216-4EDC-9C4A-C5A64195C4A3}" dt="2023-09-19T14:28:42.113" v="71" actId="478"/>
+          <ac:cxnSpMkLst>
+            <pc:docMk/>
+            <pc:sldMk cId="681471845" sldId="256"/>
+            <ac:cxnSpMk id="30" creationId="{3C263248-A144-26EA-2F61-30FC5CCF4101}"/>
+          </ac:cxnSpMkLst>
+        </pc:cxnChg>
+        <pc:cxnChg chg="add mod">
+          <ac:chgData name="Aleksi Lummila" userId="5c3b81ba-1834-4770-942d-dc7ef06c91c8" providerId="ADAL" clId="{2E7DB800-7216-4EDC-9C4A-C5A64195C4A3}" dt="2023-09-19T14:28:42.666" v="72" actId="478"/>
+          <ac:cxnSpMkLst>
+            <pc:docMk/>
+            <pc:sldMk cId="681471845" sldId="256"/>
+            <ac:cxnSpMk id="33" creationId="{91F00D3C-3C64-45D5-5B8B-F56F86A0C993}"/>
+          </ac:cxnSpMkLst>
+        </pc:cxnChg>
+        <pc:cxnChg chg="add mod">
+          <ac:chgData name="Aleksi Lummila" userId="5c3b81ba-1834-4770-942d-dc7ef06c91c8" providerId="ADAL" clId="{2E7DB800-7216-4EDC-9C4A-C5A64195C4A3}" dt="2023-09-19T14:29:20.975" v="85" actId="208"/>
+          <ac:cxnSpMkLst>
+            <pc:docMk/>
+            <pc:sldMk cId="681471845" sldId="256"/>
+            <ac:cxnSpMk id="39" creationId="{9240E267-184E-3C6C-FF42-F1ED4A0D59F2}"/>
+          </ac:cxnSpMkLst>
+        </pc:cxnChg>
+        <pc:cxnChg chg="add mod">
+          <ac:chgData name="Aleksi Lummila" userId="5c3b81ba-1834-4770-942d-dc7ef06c91c8" providerId="ADAL" clId="{2E7DB800-7216-4EDC-9C4A-C5A64195C4A3}" dt="2023-09-19T14:34:02.427" v="550" actId="208"/>
+          <ac:cxnSpMkLst>
+            <pc:docMk/>
+            <pc:sldMk cId="681471845" sldId="256"/>
+            <ac:cxnSpMk id="47" creationId="{487772DA-44D0-A55A-F46F-442A2AD4DCF5}"/>
+          </ac:cxnSpMkLst>
+        </pc:cxnChg>
+        <pc:cxnChg chg="add mod">
+          <ac:chgData name="Aleksi Lummila" userId="5c3b81ba-1834-4770-942d-dc7ef06c91c8" providerId="ADAL" clId="{2E7DB800-7216-4EDC-9C4A-C5A64195C4A3}" dt="2023-09-19T14:35:09.478" v="564" actId="14100"/>
+          <ac:cxnSpMkLst>
+            <pc:docMk/>
+            <pc:sldMk cId="681471845" sldId="256"/>
+            <ac:cxnSpMk id="54" creationId="{D5AA4399-80D2-C098-0D42-14F33DAD091D}"/>
+          </ac:cxnSpMkLst>
+        </pc:cxnChg>
+        <pc:cxnChg chg="add mod">
+          <ac:chgData name="Aleksi Lummila" userId="5c3b81ba-1834-4770-942d-dc7ef06c91c8" providerId="ADAL" clId="{2E7DB800-7216-4EDC-9C4A-C5A64195C4A3}" dt="2023-09-19T14:35:07.493" v="563" actId="14100"/>
+          <ac:cxnSpMkLst>
+            <pc:docMk/>
+            <pc:sldMk cId="681471845" sldId="256"/>
+            <ac:cxnSpMk id="58" creationId="{07E7673A-6637-CABC-9368-D4F3F83A26A1}"/>
+          </ac:cxnSpMkLst>
+        </pc:cxnChg>
+        <pc:cxnChg chg="add mod">
+          <ac:chgData name="Aleksi Lummila" userId="5c3b81ba-1834-4770-942d-dc7ef06c91c8" providerId="ADAL" clId="{2E7DB800-7216-4EDC-9C4A-C5A64195C4A3}" dt="2023-09-19T14:35:59.564" v="572" actId="208"/>
+          <ac:cxnSpMkLst>
+            <pc:docMk/>
+            <pc:sldMk cId="681471845" sldId="256"/>
+            <ac:cxnSpMk id="66" creationId="{7DD3197B-02C9-071E-A4F2-830ADEB2CB27}"/>
+          </ac:cxnSpMkLst>
+        </pc:cxnChg>
+        <pc:cxnChg chg="add mod">
+          <ac:chgData name="Aleksi Lummila" userId="5c3b81ba-1834-4770-942d-dc7ef06c91c8" providerId="ADAL" clId="{2E7DB800-7216-4EDC-9C4A-C5A64195C4A3}" dt="2023-09-19T14:38:28.775" v="790" actId="14100"/>
+          <ac:cxnSpMkLst>
+            <pc:docMk/>
+            <pc:sldMk cId="681471845" sldId="256"/>
+            <ac:cxnSpMk id="74" creationId="{9D924208-5760-6C67-2E1C-96C212DDA6EE}"/>
+          </ac:cxnSpMkLst>
+        </pc:cxnChg>
+        <pc:cxnChg chg="add mod">
+          <ac:chgData name="Aleksi Lummila" userId="5c3b81ba-1834-4770-942d-dc7ef06c91c8" providerId="ADAL" clId="{2E7DB800-7216-4EDC-9C4A-C5A64195C4A3}" dt="2023-09-19T14:38:46.666" v="794" actId="14100"/>
+          <ac:cxnSpMkLst>
+            <pc:docMk/>
+            <pc:sldMk cId="681471845" sldId="256"/>
+            <ac:cxnSpMk id="79" creationId="{9E76DDE0-421B-C570-E52E-2A2CEB56ABCA}"/>
+          </ac:cxnSpMkLst>
+        </pc:cxnChg>
+        <pc:cxnChg chg="add del mod">
+          <ac:chgData name="Aleksi Lummila" userId="5c3b81ba-1834-4770-942d-dc7ef06c91c8" providerId="ADAL" clId="{2E7DB800-7216-4EDC-9C4A-C5A64195C4A3}" dt="2023-09-19T14:39:26.266" v="806" actId="478"/>
+          <ac:cxnSpMkLst>
+            <pc:docMk/>
+            <pc:sldMk cId="681471845" sldId="256"/>
+            <ac:cxnSpMk id="82" creationId="{EA9C9DD4-2ED8-8D3B-4A3C-CE3B45D7FECB}"/>
+          </ac:cxnSpMkLst>
+        </pc:cxnChg>
+        <pc:cxnChg chg="add mod">
+          <ac:chgData name="Aleksi Lummila" userId="5c3b81ba-1834-4770-942d-dc7ef06c91c8" providerId="ADAL" clId="{2E7DB800-7216-4EDC-9C4A-C5A64195C4A3}" dt="2023-09-19T14:39:36.144" v="810" actId="14100"/>
+          <ac:cxnSpMkLst>
+            <pc:docMk/>
+            <pc:sldMk cId="681471845" sldId="256"/>
+            <ac:cxnSpMk id="91" creationId="{CC070888-FDF6-9076-4A84-4FF8AC0BAF66}"/>
+          </ac:cxnSpMkLst>
+        </pc:cxnChg>
+        <pc:cxnChg chg="add mod">
+          <ac:chgData name="Aleksi Lummila" userId="5c3b81ba-1834-4770-942d-dc7ef06c91c8" providerId="ADAL" clId="{2E7DB800-7216-4EDC-9C4A-C5A64195C4A3}" dt="2023-09-19T14:39:53.041" v="816" actId="208"/>
+          <ac:cxnSpMkLst>
+            <pc:docMk/>
+            <pc:sldMk cId="681471845" sldId="256"/>
+            <ac:cxnSpMk id="95" creationId="{BB66492E-09F4-E3CD-D066-A402435850A8}"/>
+          </ac:cxnSpMkLst>
+        </pc:cxnChg>
+      </pc:sldChg>
+    </pc:docChg>
+  </pc:docChgLst>
+</pc:chgInfo>
 </file>
 
 <file path=ppt/slideLayouts/slideLayout1.xml><?xml version="1.0" encoding="utf-8"?>
@@ -2986,6 +3276,9 @@
           <a:prstGeom prst="ellipse">
             <a:avLst/>
           </a:prstGeom>
+          <a:ln>
+            <a:noFill/>
+          </a:ln>
         </p:spPr>
         <p:style>
           <a:lnRef idx="2">
@@ -3327,6 +3620,1349 @@
                 <a:schemeClr val="bg1"/>
               </a:solidFill>
             </a:endParaRPr>
+          </a:p>
+        </p:txBody>
+      </p:sp>
+      <p:sp>
+        <p:nvSpPr>
+          <p:cNvPr id="2" name="Suorakulmio: Pyöristetyt kulmat 1">
+            <a:extLst>
+              <a:ext uri="{FF2B5EF4-FFF2-40B4-BE49-F238E27FC236}">
+                <a16:creationId xmlns:a16="http://schemas.microsoft.com/office/drawing/2014/main" id="{3CF07CCE-29BC-5E02-C317-FEBE399F3D02}"/>
+              </a:ext>
+            </a:extLst>
+          </p:cNvPr>
+          <p:cNvSpPr/>
+          <p:nvPr/>
+        </p:nvSpPr>
+        <p:spPr>
+          <a:xfrm>
+            <a:off x="309716" y="2035277"/>
+            <a:ext cx="1641547" cy="523220"/>
+          </a:xfrm>
+          <a:prstGeom prst="roundRect">
+            <a:avLst/>
+          </a:prstGeom>
+          <a:solidFill>
+            <a:schemeClr val="bg1"/>
+          </a:solidFill>
+          <a:ln>
+            <a:solidFill>
+              <a:schemeClr val="tx1"/>
+            </a:solidFill>
+          </a:ln>
+        </p:spPr>
+        <p:style>
+          <a:lnRef idx="2">
+            <a:schemeClr val="accent1">
+              <a:shade val="15000"/>
+            </a:schemeClr>
+          </a:lnRef>
+          <a:fillRef idx="1">
+            <a:schemeClr val="accent1"/>
+          </a:fillRef>
+          <a:effectRef idx="0">
+            <a:schemeClr val="accent1"/>
+          </a:effectRef>
+          <a:fontRef idx="minor">
+            <a:schemeClr val="lt1"/>
+          </a:fontRef>
+        </p:style>
+        <p:txBody>
+          <a:bodyPr rtlCol="0" anchor="ctr"/>
+          <a:lstStyle/>
+          <a:p>
+            <a:pPr algn="ctr"/>
+            <a:r>
+              <a:rPr lang="fi-FI" dirty="0">
+                <a:ln>
+                  <a:solidFill>
+                    <a:sysClr val="windowText" lastClr="000000"/>
+                  </a:solidFill>
+                </a:ln>
+                <a:solidFill>
+                  <a:sysClr val="windowText" lastClr="000000"/>
+                </a:solidFill>
+              </a:rPr>
+              <a:t>Lentokenttä 1a</a:t>
+            </a:r>
+          </a:p>
+        </p:txBody>
+      </p:sp>
+      <p:cxnSp>
+        <p:nvCxnSpPr>
+          <p:cNvPr id="27" name="Yhdistin: Kaareva 26">
+            <a:extLst>
+              <a:ext uri="{FF2B5EF4-FFF2-40B4-BE49-F238E27FC236}">
+                <a16:creationId xmlns:a16="http://schemas.microsoft.com/office/drawing/2014/main" id="{E4F36E2B-479D-A201-3B8B-2791BC41155F}"/>
+              </a:ext>
+            </a:extLst>
+          </p:cNvPr>
+          <p:cNvCxnSpPr>
+            <a:cxnSpLocks/>
+            <a:stCxn id="4" idx="4"/>
+            <a:endCxn id="2" idx="0"/>
+          </p:cNvCxnSpPr>
+          <p:nvPr/>
+        </p:nvCxnSpPr>
+        <p:spPr>
+          <a:xfrm rot="16200000" flipH="1">
+            <a:off x="641621" y="1546408"/>
+            <a:ext cx="631020" cy="346718"/>
+          </a:xfrm>
+          <a:prstGeom prst="curvedConnector3">
+            <a:avLst>
+              <a:gd name="adj1" fmla="val 50000"/>
+            </a:avLst>
+          </a:prstGeom>
+          <a:ln w="57150">
+            <a:solidFill>
+              <a:schemeClr val="tx1"/>
+            </a:solidFill>
+            <a:tailEnd type="triangle"/>
+          </a:ln>
+        </p:spPr>
+        <p:style>
+          <a:lnRef idx="1">
+            <a:schemeClr val="accent1"/>
+          </a:lnRef>
+          <a:fillRef idx="0">
+            <a:schemeClr val="accent1"/>
+          </a:fillRef>
+          <a:effectRef idx="0">
+            <a:schemeClr val="accent1"/>
+          </a:effectRef>
+          <a:fontRef idx="minor">
+            <a:schemeClr val="tx1"/>
+          </a:fontRef>
+        </p:style>
+      </p:cxnSp>
+      <p:cxnSp>
+        <p:nvCxnSpPr>
+          <p:cNvPr id="30" name="Yhdistin: Kaareva 29">
+            <a:extLst>
+              <a:ext uri="{FF2B5EF4-FFF2-40B4-BE49-F238E27FC236}">
+                <a16:creationId xmlns:a16="http://schemas.microsoft.com/office/drawing/2014/main" id="{3C263248-A144-26EA-2F61-30FC5CCF4101}"/>
+              </a:ext>
+            </a:extLst>
+          </p:cNvPr>
+          <p:cNvCxnSpPr>
+            <a:cxnSpLocks/>
+            <a:stCxn id="4" idx="4"/>
+          </p:cNvCxnSpPr>
+          <p:nvPr/>
+        </p:nvCxnSpPr>
+        <p:spPr>
+          <a:xfrm rot="16200000" flipH="1">
+            <a:off x="1688822" y="499207"/>
+            <a:ext cx="631020" cy="2441120"/>
+          </a:xfrm>
+          <a:prstGeom prst="curvedConnector3">
+            <a:avLst>
+              <a:gd name="adj1" fmla="val 50000"/>
+            </a:avLst>
+          </a:prstGeom>
+          <a:ln w="57150">
+            <a:solidFill>
+              <a:schemeClr val="tx1"/>
+            </a:solidFill>
+            <a:tailEnd type="triangle"/>
+          </a:ln>
+        </p:spPr>
+        <p:style>
+          <a:lnRef idx="1">
+            <a:schemeClr val="accent1"/>
+          </a:lnRef>
+          <a:fillRef idx="0">
+            <a:schemeClr val="accent1"/>
+          </a:fillRef>
+          <a:effectRef idx="0">
+            <a:schemeClr val="accent1"/>
+          </a:effectRef>
+          <a:fontRef idx="minor">
+            <a:schemeClr val="tx1"/>
+          </a:fontRef>
+        </p:style>
+      </p:cxnSp>
+      <p:cxnSp>
+        <p:nvCxnSpPr>
+          <p:cNvPr id="33" name="Yhdistin: Kaareva 32">
+            <a:extLst>
+              <a:ext uri="{FF2B5EF4-FFF2-40B4-BE49-F238E27FC236}">
+                <a16:creationId xmlns:a16="http://schemas.microsoft.com/office/drawing/2014/main" id="{91F00D3C-3C64-45D5-5B8B-F56F86A0C993}"/>
+              </a:ext>
+            </a:extLst>
+          </p:cNvPr>
+          <p:cNvCxnSpPr>
+            <a:cxnSpLocks/>
+            <a:stCxn id="4" idx="4"/>
+          </p:cNvCxnSpPr>
+          <p:nvPr/>
+        </p:nvCxnSpPr>
+        <p:spPr>
+          <a:xfrm rot="16200000" flipH="1">
+            <a:off x="2736023" y="-547994"/>
+            <a:ext cx="631020" cy="4535522"/>
+          </a:xfrm>
+          <a:prstGeom prst="curvedConnector3">
+            <a:avLst>
+              <a:gd name="adj1" fmla="val 24290"/>
+            </a:avLst>
+          </a:prstGeom>
+          <a:ln w="57150">
+            <a:solidFill>
+              <a:srgbClr val="FF0000"/>
+            </a:solidFill>
+            <a:tailEnd type="triangle"/>
+          </a:ln>
+        </p:spPr>
+        <p:style>
+          <a:lnRef idx="1">
+            <a:schemeClr val="accent1"/>
+          </a:lnRef>
+          <a:fillRef idx="0">
+            <a:schemeClr val="accent1"/>
+          </a:fillRef>
+          <a:effectRef idx="0">
+            <a:schemeClr val="accent1"/>
+          </a:effectRef>
+          <a:fontRef idx="minor">
+            <a:schemeClr val="tx1"/>
+          </a:fontRef>
+        </p:style>
+      </p:cxnSp>
+      <p:sp>
+        <p:nvSpPr>
+          <p:cNvPr id="37" name="Suorakulmio: Pyöristetyt kulmat 36">
+            <a:extLst>
+              <a:ext uri="{FF2B5EF4-FFF2-40B4-BE49-F238E27FC236}">
+                <a16:creationId xmlns:a16="http://schemas.microsoft.com/office/drawing/2014/main" id="{60181540-81F4-4AB7-7AA7-4CEE3CF3DF2D}"/>
+              </a:ext>
+            </a:extLst>
+          </p:cNvPr>
+          <p:cNvSpPr/>
+          <p:nvPr/>
+        </p:nvSpPr>
+        <p:spPr>
+          <a:xfrm>
+            <a:off x="2404119" y="2035277"/>
+            <a:ext cx="1641547" cy="523220"/>
+          </a:xfrm>
+          <a:prstGeom prst="roundRect">
+            <a:avLst/>
+          </a:prstGeom>
+          <a:solidFill>
+            <a:schemeClr val="bg1"/>
+          </a:solidFill>
+          <a:ln>
+            <a:solidFill>
+              <a:schemeClr val="tx1"/>
+            </a:solidFill>
+          </a:ln>
+        </p:spPr>
+        <p:style>
+          <a:lnRef idx="2">
+            <a:schemeClr val="accent1">
+              <a:shade val="15000"/>
+            </a:schemeClr>
+          </a:lnRef>
+          <a:fillRef idx="1">
+            <a:schemeClr val="accent1"/>
+          </a:fillRef>
+          <a:effectRef idx="0">
+            <a:schemeClr val="accent1"/>
+          </a:effectRef>
+          <a:fontRef idx="minor">
+            <a:schemeClr val="lt1"/>
+          </a:fontRef>
+        </p:style>
+        <p:txBody>
+          <a:bodyPr rtlCol="0" anchor="ctr"/>
+          <a:lstStyle/>
+          <a:p>
+            <a:pPr algn="ctr"/>
+            <a:r>
+              <a:rPr lang="fi-FI" dirty="0">
+                <a:ln>
+                  <a:solidFill>
+                    <a:sysClr val="windowText" lastClr="000000"/>
+                  </a:solidFill>
+                </a:ln>
+                <a:solidFill>
+                  <a:sysClr val="windowText" lastClr="000000"/>
+                </a:solidFill>
+              </a:rPr>
+              <a:t>Lentokenttä 1b</a:t>
+            </a:r>
+          </a:p>
+        </p:txBody>
+      </p:sp>
+      <p:sp>
+        <p:nvSpPr>
+          <p:cNvPr id="38" name="Suorakulmio: Pyöristetyt kulmat 37">
+            <a:extLst>
+              <a:ext uri="{FF2B5EF4-FFF2-40B4-BE49-F238E27FC236}">
+                <a16:creationId xmlns:a16="http://schemas.microsoft.com/office/drawing/2014/main" id="{FFA4B4EB-B7C1-1A4A-0164-B76AA0F7F4EF}"/>
+              </a:ext>
+            </a:extLst>
+          </p:cNvPr>
+          <p:cNvSpPr/>
+          <p:nvPr/>
+        </p:nvSpPr>
+        <p:spPr>
+          <a:xfrm>
+            <a:off x="4498521" y="2035277"/>
+            <a:ext cx="1641547" cy="523220"/>
+          </a:xfrm>
+          <a:prstGeom prst="roundRect">
+            <a:avLst/>
+          </a:prstGeom>
+          <a:solidFill>
+            <a:schemeClr val="bg1"/>
+          </a:solidFill>
+          <a:ln>
+            <a:solidFill>
+              <a:schemeClr val="tx1"/>
+            </a:solidFill>
+          </a:ln>
+        </p:spPr>
+        <p:style>
+          <a:lnRef idx="2">
+            <a:schemeClr val="accent1">
+              <a:shade val="15000"/>
+            </a:schemeClr>
+          </a:lnRef>
+          <a:fillRef idx="1">
+            <a:schemeClr val="accent1"/>
+          </a:fillRef>
+          <a:effectRef idx="0">
+            <a:schemeClr val="accent1"/>
+          </a:effectRef>
+          <a:fontRef idx="minor">
+            <a:schemeClr val="lt1"/>
+          </a:fontRef>
+        </p:style>
+        <p:txBody>
+          <a:bodyPr rtlCol="0" anchor="ctr"/>
+          <a:lstStyle/>
+          <a:p>
+            <a:pPr algn="ctr"/>
+            <a:r>
+              <a:rPr lang="fi-FI" dirty="0">
+                <a:ln>
+                  <a:solidFill>
+                    <a:sysClr val="windowText" lastClr="000000"/>
+                  </a:solidFill>
+                </a:ln>
+                <a:solidFill>
+                  <a:sysClr val="windowText" lastClr="000000"/>
+                </a:solidFill>
+              </a:rPr>
+              <a:t>Lentokenttä 1c</a:t>
+            </a:r>
+          </a:p>
+        </p:txBody>
+      </p:sp>
+      <p:cxnSp>
+        <p:nvCxnSpPr>
+          <p:cNvPr id="39" name="Yhdistin: Kaareva 38">
+            <a:extLst>
+              <a:ext uri="{FF2B5EF4-FFF2-40B4-BE49-F238E27FC236}">
+                <a16:creationId xmlns:a16="http://schemas.microsoft.com/office/drawing/2014/main" id="{9240E267-184E-3C6C-FF42-F1ED4A0D59F2}"/>
+              </a:ext>
+            </a:extLst>
+          </p:cNvPr>
+          <p:cNvCxnSpPr>
+            <a:cxnSpLocks/>
+            <a:stCxn id="4" idx="4"/>
+            <a:endCxn id="38" idx="0"/>
+          </p:cNvCxnSpPr>
+          <p:nvPr/>
+        </p:nvCxnSpPr>
+        <p:spPr>
+          <a:xfrm rot="16200000" flipH="1">
+            <a:off x="2736023" y="-547995"/>
+            <a:ext cx="631020" cy="4535523"/>
+          </a:xfrm>
+          <a:prstGeom prst="curvedConnector3">
+            <a:avLst>
+              <a:gd name="adj1" fmla="val 38314"/>
+            </a:avLst>
+          </a:prstGeom>
+          <a:ln w="57150">
+            <a:solidFill>
+              <a:srgbClr val="00B050"/>
+            </a:solidFill>
+            <a:tailEnd type="triangle"/>
+          </a:ln>
+        </p:spPr>
+        <p:style>
+          <a:lnRef idx="1">
+            <a:schemeClr val="accent1"/>
+          </a:lnRef>
+          <a:fillRef idx="0">
+            <a:schemeClr val="accent1"/>
+          </a:fillRef>
+          <a:effectRef idx="0">
+            <a:schemeClr val="accent1"/>
+          </a:effectRef>
+          <a:fontRef idx="minor">
+            <a:schemeClr val="tx1"/>
+          </a:fontRef>
+        </p:style>
+      </p:cxnSp>
+      <p:sp>
+        <p:nvSpPr>
+          <p:cNvPr id="43" name="Tekstiruutu 42">
+            <a:extLst>
+              <a:ext uri="{FF2B5EF4-FFF2-40B4-BE49-F238E27FC236}">
+                <a16:creationId xmlns:a16="http://schemas.microsoft.com/office/drawing/2014/main" id="{5433F008-74A6-3ACA-A777-A3BDBB5B5867}"/>
+              </a:ext>
+            </a:extLst>
+          </p:cNvPr>
+          <p:cNvSpPr txBox="1"/>
+          <p:nvPr/>
+        </p:nvSpPr>
+        <p:spPr>
+          <a:xfrm>
+            <a:off x="309717" y="2816942"/>
+            <a:ext cx="3952568" cy="2585323"/>
+          </a:xfrm>
+          <a:prstGeom prst="rect">
+            <a:avLst/>
+          </a:prstGeom>
+          <a:noFill/>
+        </p:spPr>
+        <p:txBody>
+          <a:bodyPr wrap="square" rtlCol="0">
+            <a:spAutoFit/>
+          </a:bodyPr>
+          <a:lstStyle/>
+          <a:p>
+            <a:r>
+              <a:rPr lang="fi-FI" dirty="0"/>
+              <a:t>Pelaaja sai LÄHDÖSSÄ vinkin rotan välietapista, joka kuvailee maata, missä Lentokenttä 1c on. Pelaaja matkustaa oikeaan kohteeseen, ja saa AINA:</a:t>
+            </a:r>
+          </a:p>
+          <a:p>
+            <a:pPr marL="342900" indent="-342900">
+              <a:buFont typeface="+mj-lt"/>
+              <a:buAutoNum type="arabicPeriod"/>
+            </a:pPr>
+            <a:r>
+              <a:rPr lang="fi-FI" dirty="0"/>
+              <a:t>Vinkin rotan lopullisesta sijainnista.</a:t>
+            </a:r>
+          </a:p>
+          <a:p>
+            <a:pPr marL="342900" indent="-342900">
+              <a:buFont typeface="+mj-lt"/>
+              <a:buAutoNum type="arabicPeriod"/>
+            </a:pPr>
+            <a:r>
+              <a:rPr lang="fi-FI" dirty="0"/>
+              <a:t>Vinkin rotan seuraavasta välietapista.</a:t>
+            </a:r>
+          </a:p>
+          <a:p>
+            <a:r>
+              <a:rPr lang="fi-FI" dirty="0"/>
+              <a:t>Pelaajalla on pieni mahdollisuus kohdata positiivinen tai negatiivinen sattuma.</a:t>
+            </a:r>
+          </a:p>
+        </p:txBody>
+      </p:sp>
+      <p:sp>
+        <p:nvSpPr>
+          <p:cNvPr id="44" name="Suorakulmio: Pyöristetyt kulmat 43">
+            <a:extLst>
+              <a:ext uri="{FF2B5EF4-FFF2-40B4-BE49-F238E27FC236}">
+                <a16:creationId xmlns:a16="http://schemas.microsoft.com/office/drawing/2014/main" id="{AB202AD9-B3FF-1C51-5C95-7F4D87081491}"/>
+              </a:ext>
+            </a:extLst>
+          </p:cNvPr>
+          <p:cNvSpPr/>
+          <p:nvPr/>
+        </p:nvSpPr>
+        <p:spPr>
+          <a:xfrm>
+            <a:off x="309715" y="6096000"/>
+            <a:ext cx="1641547" cy="523220"/>
+          </a:xfrm>
+          <a:prstGeom prst="roundRect">
+            <a:avLst/>
+          </a:prstGeom>
+          <a:solidFill>
+            <a:schemeClr val="bg1"/>
+          </a:solidFill>
+          <a:ln>
+            <a:solidFill>
+              <a:schemeClr val="tx1"/>
+            </a:solidFill>
+          </a:ln>
+        </p:spPr>
+        <p:style>
+          <a:lnRef idx="2">
+            <a:schemeClr val="accent1">
+              <a:shade val="15000"/>
+            </a:schemeClr>
+          </a:lnRef>
+          <a:fillRef idx="1">
+            <a:schemeClr val="accent1"/>
+          </a:fillRef>
+          <a:effectRef idx="0">
+            <a:schemeClr val="accent1"/>
+          </a:effectRef>
+          <a:fontRef idx="minor">
+            <a:schemeClr val="lt1"/>
+          </a:fontRef>
+        </p:style>
+        <p:txBody>
+          <a:bodyPr rtlCol="0" anchor="ctr"/>
+          <a:lstStyle/>
+          <a:p>
+            <a:pPr algn="ctr"/>
+            <a:r>
+              <a:rPr lang="fi-FI" dirty="0">
+                <a:ln>
+                  <a:solidFill>
+                    <a:sysClr val="windowText" lastClr="000000"/>
+                  </a:solidFill>
+                </a:ln>
+                <a:solidFill>
+                  <a:sysClr val="windowText" lastClr="000000"/>
+                </a:solidFill>
+              </a:rPr>
+              <a:t>Lentokenttä 2a</a:t>
+            </a:r>
+          </a:p>
+        </p:txBody>
+      </p:sp>
+      <p:sp>
+        <p:nvSpPr>
+          <p:cNvPr id="45" name="Suorakulmio: Pyöristetyt kulmat 44">
+            <a:extLst>
+              <a:ext uri="{FF2B5EF4-FFF2-40B4-BE49-F238E27FC236}">
+                <a16:creationId xmlns:a16="http://schemas.microsoft.com/office/drawing/2014/main" id="{AEA346A1-B74B-D70E-C738-748F699A61D4}"/>
+              </a:ext>
+            </a:extLst>
+          </p:cNvPr>
+          <p:cNvSpPr/>
+          <p:nvPr/>
+        </p:nvSpPr>
+        <p:spPr>
+          <a:xfrm>
+            <a:off x="2404118" y="6096000"/>
+            <a:ext cx="1641547" cy="523220"/>
+          </a:xfrm>
+          <a:prstGeom prst="roundRect">
+            <a:avLst/>
+          </a:prstGeom>
+          <a:solidFill>
+            <a:schemeClr val="bg1"/>
+          </a:solidFill>
+          <a:ln>
+            <a:solidFill>
+              <a:schemeClr val="tx1"/>
+            </a:solidFill>
+          </a:ln>
+        </p:spPr>
+        <p:style>
+          <a:lnRef idx="2">
+            <a:schemeClr val="accent1">
+              <a:shade val="15000"/>
+            </a:schemeClr>
+          </a:lnRef>
+          <a:fillRef idx="1">
+            <a:schemeClr val="accent1"/>
+          </a:fillRef>
+          <a:effectRef idx="0">
+            <a:schemeClr val="accent1"/>
+          </a:effectRef>
+          <a:fontRef idx="minor">
+            <a:schemeClr val="lt1"/>
+          </a:fontRef>
+        </p:style>
+        <p:txBody>
+          <a:bodyPr rtlCol="0" anchor="ctr"/>
+          <a:lstStyle/>
+          <a:p>
+            <a:pPr algn="ctr"/>
+            <a:r>
+              <a:rPr lang="fi-FI" dirty="0">
+                <a:ln>
+                  <a:solidFill>
+                    <a:sysClr val="windowText" lastClr="000000"/>
+                  </a:solidFill>
+                </a:ln>
+                <a:solidFill>
+                  <a:sysClr val="windowText" lastClr="000000"/>
+                </a:solidFill>
+              </a:rPr>
+              <a:t>Lentokenttä 2b</a:t>
+            </a:r>
+          </a:p>
+        </p:txBody>
+      </p:sp>
+      <p:sp>
+        <p:nvSpPr>
+          <p:cNvPr id="46" name="Suorakulmio: Pyöristetyt kulmat 45">
+            <a:extLst>
+              <a:ext uri="{FF2B5EF4-FFF2-40B4-BE49-F238E27FC236}">
+                <a16:creationId xmlns:a16="http://schemas.microsoft.com/office/drawing/2014/main" id="{849053F4-1608-2D4B-34BB-CDD444909373}"/>
+              </a:ext>
+            </a:extLst>
+          </p:cNvPr>
+          <p:cNvSpPr/>
+          <p:nvPr/>
+        </p:nvSpPr>
+        <p:spPr>
+          <a:xfrm>
+            <a:off x="4498521" y="6096000"/>
+            <a:ext cx="1641547" cy="523220"/>
+          </a:xfrm>
+          <a:prstGeom prst="roundRect">
+            <a:avLst/>
+          </a:prstGeom>
+          <a:solidFill>
+            <a:schemeClr val="bg1"/>
+          </a:solidFill>
+          <a:ln>
+            <a:solidFill>
+              <a:schemeClr val="tx1"/>
+            </a:solidFill>
+          </a:ln>
+        </p:spPr>
+        <p:style>
+          <a:lnRef idx="2">
+            <a:schemeClr val="accent1">
+              <a:shade val="15000"/>
+            </a:schemeClr>
+          </a:lnRef>
+          <a:fillRef idx="1">
+            <a:schemeClr val="accent1"/>
+          </a:fillRef>
+          <a:effectRef idx="0">
+            <a:schemeClr val="accent1"/>
+          </a:effectRef>
+          <a:fontRef idx="minor">
+            <a:schemeClr val="lt1"/>
+          </a:fontRef>
+        </p:style>
+        <p:txBody>
+          <a:bodyPr rtlCol="0" anchor="ctr"/>
+          <a:lstStyle/>
+          <a:p>
+            <a:pPr algn="ctr"/>
+            <a:r>
+              <a:rPr lang="fi-FI" dirty="0">
+                <a:ln>
+                  <a:solidFill>
+                    <a:sysClr val="windowText" lastClr="000000"/>
+                  </a:solidFill>
+                </a:ln>
+                <a:solidFill>
+                  <a:sysClr val="windowText" lastClr="000000"/>
+                </a:solidFill>
+              </a:rPr>
+              <a:t>Lentokenttä 2c</a:t>
+            </a:r>
+          </a:p>
+        </p:txBody>
+      </p:sp>
+      <p:cxnSp>
+        <p:nvCxnSpPr>
+          <p:cNvPr id="47" name="Yhdistin: Kaareva 46">
+            <a:extLst>
+              <a:ext uri="{FF2B5EF4-FFF2-40B4-BE49-F238E27FC236}">
+                <a16:creationId xmlns:a16="http://schemas.microsoft.com/office/drawing/2014/main" id="{487772DA-44D0-A55A-F46F-442A2AD4DCF5}"/>
+              </a:ext>
+            </a:extLst>
+          </p:cNvPr>
+          <p:cNvCxnSpPr>
+            <a:cxnSpLocks/>
+            <a:stCxn id="38" idx="2"/>
+            <a:endCxn id="44" idx="0"/>
+          </p:cNvCxnSpPr>
+          <p:nvPr/>
+        </p:nvCxnSpPr>
+        <p:spPr>
+          <a:xfrm rot="5400000">
+            <a:off x="1456141" y="2232845"/>
+            <a:ext cx="3537503" cy="4188806"/>
+          </a:xfrm>
+          <a:prstGeom prst="curvedConnector3">
+            <a:avLst>
+              <a:gd name="adj1" fmla="val 94193"/>
+            </a:avLst>
+          </a:prstGeom>
+          <a:ln w="57150">
+            <a:solidFill>
+              <a:srgbClr val="C00000"/>
+            </a:solidFill>
+            <a:tailEnd type="triangle"/>
+          </a:ln>
+        </p:spPr>
+        <p:style>
+          <a:lnRef idx="1">
+            <a:schemeClr val="accent1"/>
+          </a:lnRef>
+          <a:fillRef idx="0">
+            <a:schemeClr val="accent1"/>
+          </a:fillRef>
+          <a:effectRef idx="0">
+            <a:schemeClr val="accent1"/>
+          </a:effectRef>
+          <a:fontRef idx="minor">
+            <a:schemeClr val="tx1"/>
+          </a:fontRef>
+        </p:style>
+      </p:cxnSp>
+      <p:cxnSp>
+        <p:nvCxnSpPr>
+          <p:cNvPr id="54" name="Yhdistin: Kaareva 53">
+            <a:extLst>
+              <a:ext uri="{FF2B5EF4-FFF2-40B4-BE49-F238E27FC236}">
+                <a16:creationId xmlns:a16="http://schemas.microsoft.com/office/drawing/2014/main" id="{D5AA4399-80D2-C098-0D42-14F33DAD091D}"/>
+              </a:ext>
+            </a:extLst>
+          </p:cNvPr>
+          <p:cNvCxnSpPr>
+            <a:cxnSpLocks/>
+            <a:stCxn id="38" idx="2"/>
+            <a:endCxn id="46" idx="0"/>
+          </p:cNvCxnSpPr>
+          <p:nvPr/>
+        </p:nvCxnSpPr>
+        <p:spPr>
+          <a:xfrm rot="5400000">
+            <a:off x="3550544" y="4327248"/>
+            <a:ext cx="3537503" cy="12700"/>
+          </a:xfrm>
+          <a:prstGeom prst="curvedConnector3">
+            <a:avLst>
+              <a:gd name="adj1" fmla="val 50000"/>
+            </a:avLst>
+          </a:prstGeom>
+          <a:ln w="57150">
+            <a:solidFill>
+              <a:schemeClr val="tx1"/>
+            </a:solidFill>
+            <a:tailEnd type="triangle"/>
+          </a:ln>
+        </p:spPr>
+        <p:style>
+          <a:lnRef idx="1">
+            <a:schemeClr val="accent1"/>
+          </a:lnRef>
+          <a:fillRef idx="0">
+            <a:schemeClr val="accent1"/>
+          </a:fillRef>
+          <a:effectRef idx="0">
+            <a:schemeClr val="accent1"/>
+          </a:effectRef>
+          <a:fontRef idx="minor">
+            <a:schemeClr val="tx1"/>
+          </a:fontRef>
+        </p:style>
+      </p:cxnSp>
+      <p:cxnSp>
+        <p:nvCxnSpPr>
+          <p:cNvPr id="58" name="Yhdistin: Kaareva 57">
+            <a:extLst>
+              <a:ext uri="{FF2B5EF4-FFF2-40B4-BE49-F238E27FC236}">
+                <a16:creationId xmlns:a16="http://schemas.microsoft.com/office/drawing/2014/main" id="{07E7673A-6637-CABC-9368-D4F3F83A26A1}"/>
+              </a:ext>
+            </a:extLst>
+          </p:cNvPr>
+          <p:cNvCxnSpPr>
+            <a:cxnSpLocks/>
+            <a:stCxn id="38" idx="2"/>
+            <a:endCxn id="45" idx="0"/>
+          </p:cNvCxnSpPr>
+          <p:nvPr/>
+        </p:nvCxnSpPr>
+        <p:spPr>
+          <a:xfrm rot="5400000">
+            <a:off x="2503343" y="3280047"/>
+            <a:ext cx="3537503" cy="2094403"/>
+          </a:xfrm>
+          <a:prstGeom prst="curvedConnector3">
+            <a:avLst>
+              <a:gd name="adj1" fmla="val 92942"/>
+            </a:avLst>
+          </a:prstGeom>
+          <a:ln w="57150">
+            <a:solidFill>
+              <a:srgbClr val="00B050"/>
+            </a:solidFill>
+            <a:tailEnd type="triangle"/>
+          </a:ln>
+        </p:spPr>
+        <p:style>
+          <a:lnRef idx="1">
+            <a:schemeClr val="accent1"/>
+          </a:lnRef>
+          <a:fillRef idx="0">
+            <a:schemeClr val="accent1"/>
+          </a:fillRef>
+          <a:effectRef idx="0">
+            <a:schemeClr val="accent1"/>
+          </a:effectRef>
+          <a:fontRef idx="minor">
+            <a:schemeClr val="tx1"/>
+          </a:fontRef>
+        </p:style>
+      </p:cxnSp>
+      <p:sp>
+        <p:nvSpPr>
+          <p:cNvPr id="65" name="Tekstiruutu 64">
+            <a:extLst>
+              <a:ext uri="{FF2B5EF4-FFF2-40B4-BE49-F238E27FC236}">
+                <a16:creationId xmlns:a16="http://schemas.microsoft.com/office/drawing/2014/main" id="{207D35D1-076C-8847-7C6C-38B184026135}"/>
+              </a:ext>
+            </a:extLst>
+          </p:cNvPr>
+          <p:cNvSpPr txBox="1"/>
+          <p:nvPr/>
+        </p:nvSpPr>
+        <p:spPr>
+          <a:xfrm>
+            <a:off x="2561792" y="6907479"/>
+            <a:ext cx="3716725" cy="1477328"/>
+          </a:xfrm>
+          <a:prstGeom prst="rect">
+            <a:avLst/>
+          </a:prstGeom>
+          <a:noFill/>
+        </p:spPr>
+        <p:txBody>
+          <a:bodyPr wrap="square" rtlCol="0">
+            <a:spAutoFit/>
+          </a:bodyPr>
+          <a:lstStyle/>
+          <a:p>
+            <a:pPr algn="r"/>
+            <a:r>
+              <a:rPr lang="fi-FI" dirty="0"/>
+              <a:t>Pelaaja valitsi väärän kohteen. Hän saa varmennuksen, mikä oli oikea välietappi, jonne hänen pitää mennä. Pelaajalla on korotettu mahdollisuus saada negatiivinen sattuma.</a:t>
+            </a:r>
+          </a:p>
+        </p:txBody>
+      </p:sp>
+      <p:cxnSp>
+        <p:nvCxnSpPr>
+          <p:cNvPr id="66" name="Yhdistin: Kaareva 65">
+            <a:extLst>
+              <a:ext uri="{FF2B5EF4-FFF2-40B4-BE49-F238E27FC236}">
+                <a16:creationId xmlns:a16="http://schemas.microsoft.com/office/drawing/2014/main" id="{7DD3197B-02C9-071E-A4F2-830ADEB2CB27}"/>
+              </a:ext>
+            </a:extLst>
+          </p:cNvPr>
+          <p:cNvCxnSpPr>
+            <a:cxnSpLocks/>
+            <a:stCxn id="45" idx="1"/>
+            <a:endCxn id="44" idx="3"/>
+          </p:cNvCxnSpPr>
+          <p:nvPr/>
+        </p:nvCxnSpPr>
+        <p:spPr>
+          <a:xfrm rot="10800000">
+            <a:off x="1951262" y="6357610"/>
+            <a:ext cx="452856" cy="12700"/>
+          </a:xfrm>
+          <a:prstGeom prst="curvedConnector3">
+            <a:avLst>
+              <a:gd name="adj1" fmla="val 50000"/>
+            </a:avLst>
+          </a:prstGeom>
+          <a:ln w="57150">
+            <a:solidFill>
+              <a:schemeClr val="accent6">
+                <a:lumMod val="50000"/>
+              </a:schemeClr>
+            </a:solidFill>
+            <a:prstDash val="dash"/>
+            <a:tailEnd type="triangle"/>
+          </a:ln>
+        </p:spPr>
+        <p:style>
+          <a:lnRef idx="1">
+            <a:schemeClr val="accent1"/>
+          </a:lnRef>
+          <a:fillRef idx="0">
+            <a:schemeClr val="accent1"/>
+          </a:fillRef>
+          <a:effectRef idx="0">
+            <a:schemeClr val="accent1"/>
+          </a:effectRef>
+          <a:fontRef idx="minor">
+            <a:schemeClr val="tx1"/>
+          </a:fontRef>
+        </p:style>
+      </p:cxnSp>
+      <p:sp>
+        <p:nvSpPr>
+          <p:cNvPr id="71" name="Suorakulmio: Pyöristetyt kulmat 70">
+            <a:extLst>
+              <a:ext uri="{FF2B5EF4-FFF2-40B4-BE49-F238E27FC236}">
+                <a16:creationId xmlns:a16="http://schemas.microsoft.com/office/drawing/2014/main" id="{301FA796-A5DC-1D9B-49E5-D263D668A394}"/>
+              </a:ext>
+            </a:extLst>
+          </p:cNvPr>
+          <p:cNvSpPr/>
+          <p:nvPr/>
+        </p:nvSpPr>
+        <p:spPr>
+          <a:xfrm>
+            <a:off x="309715" y="8901677"/>
+            <a:ext cx="1641547" cy="523220"/>
+          </a:xfrm>
+          <a:prstGeom prst="roundRect">
+            <a:avLst/>
+          </a:prstGeom>
+          <a:solidFill>
+            <a:schemeClr val="bg1"/>
+          </a:solidFill>
+          <a:ln>
+            <a:solidFill>
+              <a:schemeClr val="tx1"/>
+            </a:solidFill>
+          </a:ln>
+        </p:spPr>
+        <p:style>
+          <a:lnRef idx="2">
+            <a:schemeClr val="accent1">
+              <a:shade val="15000"/>
+            </a:schemeClr>
+          </a:lnRef>
+          <a:fillRef idx="1">
+            <a:schemeClr val="accent1"/>
+          </a:fillRef>
+          <a:effectRef idx="0">
+            <a:schemeClr val="accent1"/>
+          </a:effectRef>
+          <a:fontRef idx="minor">
+            <a:schemeClr val="lt1"/>
+          </a:fontRef>
+        </p:style>
+        <p:txBody>
+          <a:bodyPr rtlCol="0" anchor="ctr"/>
+          <a:lstStyle/>
+          <a:p>
+            <a:pPr algn="ctr"/>
+            <a:r>
+              <a:rPr lang="fi-FI" dirty="0">
+                <a:ln>
+                  <a:solidFill>
+                    <a:sysClr val="windowText" lastClr="000000"/>
+                  </a:solidFill>
+                </a:ln>
+                <a:solidFill>
+                  <a:sysClr val="windowText" lastClr="000000"/>
+                </a:solidFill>
+              </a:rPr>
+              <a:t>Lentokenttä 3a</a:t>
+            </a:r>
+          </a:p>
+        </p:txBody>
+      </p:sp>
+      <p:sp>
+        <p:nvSpPr>
+          <p:cNvPr id="72" name="Suorakulmio: Pyöristetyt kulmat 71">
+            <a:extLst>
+              <a:ext uri="{FF2B5EF4-FFF2-40B4-BE49-F238E27FC236}">
+                <a16:creationId xmlns:a16="http://schemas.microsoft.com/office/drawing/2014/main" id="{7CCA99F5-5DED-66F6-CCE3-2D91DFCCE98A}"/>
+              </a:ext>
+            </a:extLst>
+          </p:cNvPr>
+          <p:cNvSpPr/>
+          <p:nvPr/>
+        </p:nvSpPr>
+        <p:spPr>
+          <a:xfrm>
+            <a:off x="2404118" y="8901677"/>
+            <a:ext cx="1641547" cy="523220"/>
+          </a:xfrm>
+          <a:prstGeom prst="roundRect">
+            <a:avLst/>
+          </a:prstGeom>
+          <a:solidFill>
+            <a:schemeClr val="bg1"/>
+          </a:solidFill>
+          <a:ln>
+            <a:solidFill>
+              <a:schemeClr val="tx1"/>
+            </a:solidFill>
+          </a:ln>
+        </p:spPr>
+        <p:style>
+          <a:lnRef idx="2">
+            <a:schemeClr val="accent1">
+              <a:shade val="15000"/>
+            </a:schemeClr>
+          </a:lnRef>
+          <a:fillRef idx="1">
+            <a:schemeClr val="accent1"/>
+          </a:fillRef>
+          <a:effectRef idx="0">
+            <a:schemeClr val="accent1"/>
+          </a:effectRef>
+          <a:fontRef idx="minor">
+            <a:schemeClr val="lt1"/>
+          </a:fontRef>
+        </p:style>
+        <p:txBody>
+          <a:bodyPr rtlCol="0" anchor="ctr"/>
+          <a:lstStyle/>
+          <a:p>
+            <a:pPr algn="ctr"/>
+            <a:r>
+              <a:rPr lang="fi-FI" dirty="0">
+                <a:ln>
+                  <a:solidFill>
+                    <a:sysClr val="windowText" lastClr="000000"/>
+                  </a:solidFill>
+                </a:ln>
+                <a:solidFill>
+                  <a:sysClr val="windowText" lastClr="000000"/>
+                </a:solidFill>
+              </a:rPr>
+              <a:t>Lentokenttä 3b (MAALI)</a:t>
+            </a:r>
+          </a:p>
+        </p:txBody>
+      </p:sp>
+      <p:sp>
+        <p:nvSpPr>
+          <p:cNvPr id="73" name="Suorakulmio: Pyöristetyt kulmat 72">
+            <a:extLst>
+              <a:ext uri="{FF2B5EF4-FFF2-40B4-BE49-F238E27FC236}">
+                <a16:creationId xmlns:a16="http://schemas.microsoft.com/office/drawing/2014/main" id="{DA4257C7-B6E8-1702-A225-856B5E7E3E7F}"/>
+              </a:ext>
+            </a:extLst>
+          </p:cNvPr>
+          <p:cNvSpPr/>
+          <p:nvPr/>
+        </p:nvSpPr>
+        <p:spPr>
+          <a:xfrm>
+            <a:off x="4498521" y="8901677"/>
+            <a:ext cx="1641547" cy="523220"/>
+          </a:xfrm>
+          <a:prstGeom prst="roundRect">
+            <a:avLst/>
+          </a:prstGeom>
+          <a:solidFill>
+            <a:schemeClr val="bg1"/>
+          </a:solidFill>
+          <a:ln>
+            <a:solidFill>
+              <a:schemeClr val="tx1"/>
+            </a:solidFill>
+          </a:ln>
+        </p:spPr>
+        <p:style>
+          <a:lnRef idx="2">
+            <a:schemeClr val="accent1">
+              <a:shade val="15000"/>
+            </a:schemeClr>
+          </a:lnRef>
+          <a:fillRef idx="1">
+            <a:schemeClr val="accent1"/>
+          </a:fillRef>
+          <a:effectRef idx="0">
+            <a:schemeClr val="accent1"/>
+          </a:effectRef>
+          <a:fontRef idx="minor">
+            <a:schemeClr val="lt1"/>
+          </a:fontRef>
+        </p:style>
+        <p:txBody>
+          <a:bodyPr rtlCol="0" anchor="ctr"/>
+          <a:lstStyle/>
+          <a:p>
+            <a:pPr algn="ctr"/>
+            <a:r>
+              <a:rPr lang="fi-FI" dirty="0">
+                <a:ln>
+                  <a:solidFill>
+                    <a:sysClr val="windowText" lastClr="000000"/>
+                  </a:solidFill>
+                </a:ln>
+                <a:solidFill>
+                  <a:sysClr val="windowText" lastClr="000000"/>
+                </a:solidFill>
+              </a:rPr>
+              <a:t>Lentokenttä 3c</a:t>
+            </a:r>
+          </a:p>
+        </p:txBody>
+      </p:sp>
+      <p:cxnSp>
+        <p:nvCxnSpPr>
+          <p:cNvPr id="74" name="Yhdistin: Kaareva 73">
+            <a:extLst>
+              <a:ext uri="{FF2B5EF4-FFF2-40B4-BE49-F238E27FC236}">
+                <a16:creationId xmlns:a16="http://schemas.microsoft.com/office/drawing/2014/main" id="{9D924208-5760-6C67-2E1C-96C212DDA6EE}"/>
+              </a:ext>
+            </a:extLst>
+          </p:cNvPr>
+          <p:cNvCxnSpPr>
+            <a:cxnSpLocks/>
+            <a:stCxn id="44" idx="2"/>
+            <a:endCxn id="72" idx="0"/>
+          </p:cNvCxnSpPr>
+          <p:nvPr/>
+        </p:nvCxnSpPr>
+        <p:spPr>
+          <a:xfrm rot="16200000" flipH="1">
+            <a:off x="1036462" y="6713246"/>
+            <a:ext cx="2282457" cy="2094403"/>
+          </a:xfrm>
+          <a:prstGeom prst="curvedConnector3">
+            <a:avLst>
+              <a:gd name="adj1" fmla="val 92001"/>
+            </a:avLst>
+          </a:prstGeom>
+          <a:ln w="57150">
+            <a:solidFill>
+              <a:srgbClr val="C00000"/>
+            </a:solidFill>
+            <a:tailEnd type="triangle"/>
+          </a:ln>
+        </p:spPr>
+        <p:style>
+          <a:lnRef idx="1">
+            <a:schemeClr val="accent1"/>
+          </a:lnRef>
+          <a:fillRef idx="0">
+            <a:schemeClr val="accent1"/>
+          </a:fillRef>
+          <a:effectRef idx="0">
+            <a:schemeClr val="accent1"/>
+          </a:effectRef>
+          <a:fontRef idx="minor">
+            <a:schemeClr val="tx1"/>
+          </a:fontRef>
+        </p:style>
+      </p:cxnSp>
+      <p:cxnSp>
+        <p:nvCxnSpPr>
+          <p:cNvPr id="79" name="Yhdistin: Kaareva 78">
+            <a:extLst>
+              <a:ext uri="{FF2B5EF4-FFF2-40B4-BE49-F238E27FC236}">
+                <a16:creationId xmlns:a16="http://schemas.microsoft.com/office/drawing/2014/main" id="{9E76DDE0-421B-C570-E52E-2A2CEB56ABCA}"/>
+              </a:ext>
+            </a:extLst>
+          </p:cNvPr>
+          <p:cNvCxnSpPr>
+            <a:cxnSpLocks/>
+            <a:stCxn id="44" idx="2"/>
+            <a:endCxn id="71" idx="0"/>
+          </p:cNvCxnSpPr>
+          <p:nvPr/>
+        </p:nvCxnSpPr>
+        <p:spPr>
+          <a:xfrm rot="5400000">
+            <a:off x="-10739" y="7760448"/>
+            <a:ext cx="2282457" cy="12700"/>
+          </a:xfrm>
+          <a:prstGeom prst="curvedConnector3">
+            <a:avLst>
+              <a:gd name="adj1" fmla="val 50000"/>
+            </a:avLst>
+          </a:prstGeom>
+          <a:ln w="57150">
+            <a:solidFill>
+              <a:schemeClr val="tx1"/>
+            </a:solidFill>
+            <a:tailEnd type="triangle"/>
+          </a:ln>
+        </p:spPr>
+        <p:style>
+          <a:lnRef idx="1">
+            <a:schemeClr val="accent1"/>
+          </a:lnRef>
+          <a:fillRef idx="0">
+            <a:schemeClr val="accent1"/>
+          </a:fillRef>
+          <a:effectRef idx="0">
+            <a:schemeClr val="accent1"/>
+          </a:effectRef>
+          <a:fontRef idx="minor">
+            <a:schemeClr val="tx1"/>
+          </a:fontRef>
+        </p:style>
+      </p:cxnSp>
+      <p:cxnSp>
+        <p:nvCxnSpPr>
+          <p:cNvPr id="91" name="Yhdistin: Kaareva 90">
+            <a:extLst>
+              <a:ext uri="{FF2B5EF4-FFF2-40B4-BE49-F238E27FC236}">
+                <a16:creationId xmlns:a16="http://schemas.microsoft.com/office/drawing/2014/main" id="{CC070888-FDF6-9076-4A84-4FF8AC0BAF66}"/>
+              </a:ext>
+            </a:extLst>
+          </p:cNvPr>
+          <p:cNvCxnSpPr>
+            <a:cxnSpLocks/>
+            <a:stCxn id="44" idx="2"/>
+            <a:endCxn id="73" idx="0"/>
+          </p:cNvCxnSpPr>
+          <p:nvPr/>
+        </p:nvCxnSpPr>
+        <p:spPr>
+          <a:xfrm rot="16200000" flipH="1">
+            <a:off x="2083664" y="5666045"/>
+            <a:ext cx="2282457" cy="4188806"/>
+          </a:xfrm>
+          <a:prstGeom prst="curvedConnector3">
+            <a:avLst>
+              <a:gd name="adj1" fmla="val 90708"/>
+            </a:avLst>
+          </a:prstGeom>
+          <a:ln w="57150">
+            <a:solidFill>
+              <a:schemeClr val="tx1"/>
+            </a:solidFill>
+            <a:tailEnd type="triangle"/>
+          </a:ln>
+        </p:spPr>
+        <p:style>
+          <a:lnRef idx="1">
+            <a:schemeClr val="accent1"/>
+          </a:lnRef>
+          <a:fillRef idx="0">
+            <a:schemeClr val="accent1"/>
+          </a:fillRef>
+          <a:effectRef idx="0">
+            <a:schemeClr val="accent1"/>
+          </a:effectRef>
+          <a:fontRef idx="minor">
+            <a:schemeClr val="tx1"/>
+          </a:fontRef>
+        </p:style>
+      </p:cxnSp>
+      <p:cxnSp>
+        <p:nvCxnSpPr>
+          <p:cNvPr id="95" name="Yhdistin: Kaareva 94">
+            <a:extLst>
+              <a:ext uri="{FF2B5EF4-FFF2-40B4-BE49-F238E27FC236}">
+                <a16:creationId xmlns:a16="http://schemas.microsoft.com/office/drawing/2014/main" id="{BB66492E-09F4-E3CD-D066-A402435850A8}"/>
+              </a:ext>
+            </a:extLst>
+          </p:cNvPr>
+          <p:cNvCxnSpPr>
+            <a:cxnSpLocks/>
+            <a:stCxn id="44" idx="2"/>
+            <a:endCxn id="72" idx="0"/>
+          </p:cNvCxnSpPr>
+          <p:nvPr/>
+        </p:nvCxnSpPr>
+        <p:spPr>
+          <a:xfrm rot="16200000" flipH="1">
+            <a:off x="1036462" y="6713246"/>
+            <a:ext cx="2282457" cy="2094403"/>
+          </a:xfrm>
+          <a:prstGeom prst="curvedConnector3">
+            <a:avLst>
+              <a:gd name="adj1" fmla="val 86185"/>
+            </a:avLst>
+          </a:prstGeom>
+          <a:ln w="57150">
+            <a:solidFill>
+              <a:srgbClr val="00B050"/>
+            </a:solidFill>
+            <a:tailEnd type="triangle"/>
+          </a:ln>
+        </p:spPr>
+        <p:style>
+          <a:lnRef idx="1">
+            <a:schemeClr val="accent1"/>
+          </a:lnRef>
+          <a:fillRef idx="0">
+            <a:schemeClr val="accent1"/>
+          </a:fillRef>
+          <a:effectRef idx="0">
+            <a:schemeClr val="accent1"/>
+          </a:effectRef>
+          <a:fontRef idx="minor">
+            <a:schemeClr val="tx1"/>
+          </a:fontRef>
+        </p:style>
+      </p:cxnSp>
+      <p:sp>
+        <p:nvSpPr>
+          <p:cNvPr id="99" name="Tekstiruutu 98">
+            <a:extLst>
+              <a:ext uri="{FF2B5EF4-FFF2-40B4-BE49-F238E27FC236}">
+                <a16:creationId xmlns:a16="http://schemas.microsoft.com/office/drawing/2014/main" id="{EBB6F3E9-2ECD-7355-0C75-9D01ED367C2C}"/>
+              </a:ext>
+            </a:extLst>
+          </p:cNvPr>
+          <p:cNvSpPr txBox="1"/>
+          <p:nvPr/>
+        </p:nvSpPr>
+        <p:spPr>
+          <a:xfrm>
+            <a:off x="281443" y="9633504"/>
+            <a:ext cx="5899485" cy="646331"/>
+          </a:xfrm>
+          <a:prstGeom prst="rect">
+            <a:avLst/>
+          </a:prstGeom>
+          <a:noFill/>
+        </p:spPr>
+        <p:txBody>
+          <a:bodyPr wrap="square" rtlCol="0">
+            <a:spAutoFit/>
+          </a:bodyPr>
+          <a:lstStyle/>
+          <a:p>
+            <a:pPr algn="ctr"/>
+            <a:r>
+              <a:rPr lang="fi-FI" dirty="0"/>
+              <a:t>Pelaaja päätyi oikeaan paikkaan, missä rotta on piilossa, ja voittaa pelin!</a:t>
+            </a:r>
+          </a:p>
+        </p:txBody>
+      </p:sp>
+      <p:sp>
+        <p:nvSpPr>
+          <p:cNvPr id="100" name="Tekstiruutu 99">
+            <a:extLst>
+              <a:ext uri="{FF2B5EF4-FFF2-40B4-BE49-F238E27FC236}">
+                <a16:creationId xmlns:a16="http://schemas.microsoft.com/office/drawing/2014/main" id="{2B204712-5FAA-3687-C91B-39C1DF50674B}"/>
+              </a:ext>
+            </a:extLst>
+          </p:cNvPr>
+          <p:cNvSpPr txBox="1"/>
+          <p:nvPr/>
+        </p:nvSpPr>
+        <p:spPr>
+          <a:xfrm>
+            <a:off x="275148" y="10582340"/>
+            <a:ext cx="5899485" cy="1477328"/>
+          </a:xfrm>
+          <a:prstGeom prst="rect">
+            <a:avLst/>
+          </a:prstGeom>
+          <a:noFill/>
+        </p:spPr>
+        <p:txBody>
+          <a:bodyPr wrap="square" rtlCol="0">
+            <a:spAutoFit/>
+          </a:bodyPr>
+          <a:lstStyle/>
+          <a:p>
+            <a:r>
+              <a:rPr lang="fi-FI" dirty="0"/>
+              <a:t>Pelaaja olisi hävinnyt, jos hänellä olisi loppunut kierrokset (lentokenttien välillä matkustaminen). </a:t>
+            </a:r>
+            <a:r>
+              <a:rPr lang="fi-FI" b="1" dirty="0"/>
+              <a:t>Jokainen matka vaatii rahaa, ja jos pelaajalla loppuu rahat kesken matkustuksen, hän voi ”tehdä töitä” lentokentällä, ja käyttää tähän yhden vuoron.</a:t>
+            </a:r>
           </a:p>
         </p:txBody>
       </p:sp>
